--- a/Final updated honeypot.pptx
+++ b/Final updated honeypot.pptx
@@ -13097,6 +13097,18 @@
               </a:lnSpc>
             </a:pPr>
             <a:r>
+              <a:rPr lang="en-US" sz="1600">
+                <a:solidFill>
+                  <a:schemeClr val="bg2"/>
+                </a:solidFill>
+                <a:latin typeface="Montserrat Classic"/>
+                <a:ea typeface="Montserrat Classic"/>
+                <a:cs typeface="Montserrat Classic"/>
+                <a:sym typeface="Montserrat Classic"/>
+              </a:rPr>
+              <a:t>Mamdouh </a:t>
+            </a:r>
+            <a:r>
               <a:rPr lang="en-US" sz="1600" dirty="0">
                 <a:solidFill>
                   <a:schemeClr val="bg2"/>
@@ -13106,7 +13118,31 @@
                 <a:cs typeface="Montserrat Classic"/>
                 <a:sym typeface="Montserrat Classic"/>
               </a:rPr>
-              <a:t>Mamdouh , Mohammed &amp; Majid </a:t>
+              <a:t>, </a:t>
+            </a:r>
+            <a:r>
+              <a:rPr lang="en-US" sz="1600">
+                <a:solidFill>
+                  <a:schemeClr val="bg2"/>
+                </a:solidFill>
+                <a:latin typeface="Montserrat Classic"/>
+                <a:ea typeface="Montserrat Classic"/>
+                <a:cs typeface="Montserrat Classic"/>
+                <a:sym typeface="Montserrat Classic"/>
+              </a:rPr>
+              <a:t>Mohammed , </a:t>
+            </a:r>
+            <a:r>
+              <a:rPr lang="en-US" sz="1600" dirty="0">
+                <a:solidFill>
+                  <a:schemeClr val="bg2"/>
+                </a:solidFill>
+                <a:latin typeface="Montserrat Classic"/>
+                <a:ea typeface="Montserrat Classic"/>
+                <a:cs typeface="Montserrat Classic"/>
+                <a:sym typeface="Montserrat Classic"/>
+              </a:rPr>
+              <a:t>Majid </a:t>
             </a:r>
           </a:p>
         </p:txBody>
